--- a/Evaluations/1_year_evaluation.pptx
+++ b/Evaluations/1_year_evaluation.pptx
@@ -11,8 +11,10 @@
     <p:sldId id="310" r:id="rId8"/>
     <p:sldId id="311" r:id="rId9"/>
     <p:sldId id="312" r:id="rId10"/>
-    <p:sldId id="309" r:id="rId11"/>
-    <p:sldId id="313" r:id="rId12"/>
+    <p:sldId id="315" r:id="rId11"/>
+    <p:sldId id="314" r:id="rId12"/>
+    <p:sldId id="309" r:id="rId13"/>
+    <p:sldId id="313" r:id="rId14"/>
   </p:sldIdLst>
   <p:sldSz cx="12192000" cy="6858000"/>
   <p:notesSz cx="6858000" cy="9144000"/>
@@ -122,6 +124,8 @@
             <p14:sldId id="310"/>
             <p14:sldId id="311"/>
             <p14:sldId id="312"/>
+            <p14:sldId id="315"/>
+            <p14:sldId id="314"/>
             <p14:sldId id="309"/>
             <p14:sldId id="313"/>
           </p14:sldIdLst>
@@ -379,7 +383,7 @@
           <a:p>
             <a:fld id="{9184DA70-C731-4C70-880D-CCD4705E623C}" type="datetime1">
               <a:rPr lang="en-US" smtClean="0"/>
-              <a:t>2/21/2023</a:t>
+              <a:t>3/14/2023</a:t>
             </a:fld>
             <a:endParaRPr lang="en-US" dirty="0"/>
           </a:p>
@@ -567,7 +571,7 @@
           <a:p>
             <a:fld id="{4BE1D723-8F53-4F53-90B0-1982A396982E}" type="datetime1">
               <a:rPr lang="en-US" smtClean="0"/>
-              <a:t>2/21/2023</a:t>
+              <a:t>3/14/2023</a:t>
             </a:fld>
             <a:endParaRPr lang="en-US" dirty="0"/>
           </a:p>
@@ -940,7 +944,7 @@
           <a:p>
             <a:fld id="{97669AF7-7BEB-44E4-9852-375E34362B5B}" type="datetime1">
               <a:rPr lang="en-US" smtClean="0"/>
-              <a:t>2/21/2023</a:t>
+              <a:t>3/14/2023</a:t>
             </a:fld>
             <a:endParaRPr lang="en-US" dirty="0"/>
           </a:p>
@@ -1195,7 +1199,7 @@
           <a:p>
             <a:fld id="{BAAAC38D-0552-4C82-B593-E6124DFADBE2}" type="datetime1">
               <a:rPr lang="en-US" smtClean="0"/>
-              <a:t>2/21/2023</a:t>
+              <a:t>3/14/2023</a:t>
             </a:fld>
             <a:endParaRPr lang="en-US" dirty="0"/>
           </a:p>
@@ -1592,7 +1596,7 @@
           <a:p>
             <a:fld id="{D9DF0F1C-5577-4ACB-BB62-DF8F3C494C7E}" type="datetime1">
               <a:rPr lang="en-US" smtClean="0"/>
-              <a:t>2/21/2023</a:t>
+              <a:t>3/14/2023</a:t>
             </a:fld>
             <a:endParaRPr lang="en-US" dirty="0"/>
           </a:p>
@@ -1728,7 +1732,7 @@
           <a:p>
             <a:fld id="{1775B394-D9F9-4F0C-B15D-605F45CB9E9F}" type="datetime1">
               <a:rPr lang="en-US" smtClean="0"/>
-              <a:t>2/21/2023</a:t>
+              <a:t>3/14/2023</a:t>
             </a:fld>
             <a:endParaRPr lang="en-US" dirty="0"/>
           </a:p>
@@ -1885,7 +1889,7 @@
           <a:p>
             <a:fld id="{39667345-2558-425A-8533-9BFDBCE15005}" type="datetime1">
               <a:rPr lang="en-US" smtClean="0"/>
-              <a:t>2/21/2023</a:t>
+              <a:t>3/14/2023</a:t>
             </a:fld>
             <a:endParaRPr lang="en-US" dirty="0"/>
           </a:p>
@@ -2214,7 +2218,7 @@
           <a:p>
             <a:fld id="{92BEA474-078D-4E9B-9B14-09A87B19DC46}" type="datetime1">
               <a:rPr lang="en-US" smtClean="0"/>
-              <a:t>2/21/2023</a:t>
+              <a:t>3/14/2023</a:t>
             </a:fld>
             <a:endParaRPr lang="en-US" dirty="0"/>
           </a:p>
@@ -2564,7 +2568,7 @@
           <a:p>
             <a:fld id="{4907D986-8816-4272-A432-0437A28A9828}" type="datetime1">
               <a:rPr lang="en-US" smtClean="0"/>
-              <a:t>2/21/2023</a:t>
+              <a:t>3/14/2023</a:t>
             </a:fld>
             <a:endParaRPr lang="en-US" dirty="0"/>
           </a:p>
@@ -2825,7 +2829,7 @@
           <a:p>
             <a:fld id="{62D6E202-B606-4609-B914-27C9371A1F6D}" type="datetime1">
               <a:rPr lang="en-US" smtClean="0"/>
-              <a:t>2/21/2023</a:t>
+              <a:t>3/14/2023</a:t>
             </a:fld>
             <a:endParaRPr lang="en-US" dirty="0"/>
           </a:p>
@@ -3781,6 +3785,253 @@
 </p:sld>
 </file>
 
+<file path=ppt/slides/slide10.xml><?xml version="1.0" encoding="utf-8"?>
+<p:sld xmlns:a="http://schemas.openxmlformats.org/drawingml/2006/main" xmlns:r="http://schemas.openxmlformats.org/officeDocument/2006/relationships" xmlns:p="http://schemas.openxmlformats.org/presentationml/2006/main">
+  <p:cSld>
+    <p:spTree>
+      <p:nvGrpSpPr>
+        <p:cNvPr id="1" name=""/>
+        <p:cNvGrpSpPr/>
+        <p:nvPr/>
+      </p:nvGrpSpPr>
+      <p:grpSpPr>
+        <a:xfrm>
+          <a:off x="0" y="0"/>
+          <a:ext cx="0" cy="0"/>
+          <a:chOff x="0" y="0"/>
+          <a:chExt cx="0" cy="0"/>
+        </a:xfrm>
+      </p:grpSpPr>
+      <p:sp>
+        <p:nvSpPr>
+          <p:cNvPr id="2" name="Title 1">
+            <a:extLst>
+              <a:ext uri="{FF2B5EF4-FFF2-40B4-BE49-F238E27FC236}">
+                <a16:creationId xmlns:a16="http://schemas.microsoft.com/office/drawing/2014/main" id="{E6C0E40E-77E0-3465-12C1-198F425F6034}"/>
+              </a:ext>
+            </a:extLst>
+          </p:cNvPr>
+          <p:cNvSpPr>
+            <a:spLocks noGrp="1"/>
+          </p:cNvSpPr>
+          <p:nvPr>
+            <p:ph type="title"/>
+          </p:nvPr>
+        </p:nvSpPr>
+        <p:spPr/>
+        <p:txBody>
+          <a:bodyPr/>
+          <a:lstStyle/>
+          <a:p>
+            <a:r>
+              <a:rPr lang="fr-BE" dirty="0" err="1"/>
+              <a:t>Overall</a:t>
+            </a:r>
+            <a:r>
+              <a:rPr lang="fr-BE" dirty="0"/>
+              <a:t> of 1 </a:t>
+            </a:r>
+            <a:r>
+              <a:rPr lang="fr-BE" dirty="0" err="1"/>
+              <a:t>Year</a:t>
+            </a:r>
+            <a:endParaRPr lang="en-BE" dirty="0"/>
+          </a:p>
+        </p:txBody>
+      </p:sp>
+      <p:sp>
+        <p:nvSpPr>
+          <p:cNvPr id="3" name="Content Placeholder 2">
+            <a:extLst>
+              <a:ext uri="{FF2B5EF4-FFF2-40B4-BE49-F238E27FC236}">
+                <a16:creationId xmlns:a16="http://schemas.microsoft.com/office/drawing/2014/main" id="{E9AF69D2-C898-D5BE-58F1-749CC7ABE892}"/>
+              </a:ext>
+            </a:extLst>
+          </p:cNvPr>
+          <p:cNvSpPr>
+            <a:spLocks noGrp="1"/>
+          </p:cNvSpPr>
+          <p:nvPr>
+            <p:ph idx="1"/>
+          </p:nvPr>
+        </p:nvSpPr>
+        <p:spPr>
+          <a:xfrm>
+            <a:off x="241540" y="2090948"/>
+            <a:ext cx="10575985" cy="3760891"/>
+          </a:xfrm>
+        </p:spPr>
+        <p:txBody>
+          <a:bodyPr/>
+          <a:lstStyle/>
+          <a:p>
+            <a:r>
+              <a:rPr lang="fr-BE" dirty="0"/>
+              <a:t>- The VMS (and the SUPG) has been </a:t>
+            </a:r>
+            <a:r>
+              <a:rPr lang="fr-BE" dirty="0" err="1"/>
+              <a:t>implemented</a:t>
+            </a:r>
+            <a:r>
+              <a:rPr lang="fr-BE" dirty="0"/>
+              <a:t> </a:t>
+            </a:r>
+            <a:r>
+              <a:rPr lang="fr-BE" dirty="0" err="1"/>
+              <a:t>fully</a:t>
+            </a:r>
+            <a:r>
+              <a:rPr lang="fr-BE" dirty="0"/>
+              <a:t> in </a:t>
+            </a:r>
+            <a:r>
+              <a:rPr lang="fr-BE" dirty="0" err="1"/>
+              <a:t>parallel</a:t>
+            </a:r>
+            <a:r>
+              <a:rPr lang="fr-BE" dirty="0"/>
+              <a:t> and </a:t>
+            </a:r>
+            <a:r>
+              <a:rPr lang="fr-BE" dirty="0" err="1"/>
+              <a:t>tested</a:t>
+            </a:r>
+            <a:r>
+              <a:rPr lang="fr-BE" dirty="0"/>
+              <a:t> on 2D time </a:t>
+            </a:r>
+            <a:r>
+              <a:rPr lang="fr-BE" dirty="0" err="1"/>
+              <a:t>depended</a:t>
+            </a:r>
+            <a:r>
+              <a:rPr lang="fr-BE" dirty="0"/>
+              <a:t>, </a:t>
+            </a:r>
+            <a:r>
+              <a:rPr lang="fr-BE" dirty="0" err="1"/>
+              <a:t>fully</a:t>
+            </a:r>
+            <a:r>
+              <a:rPr lang="fr-BE" dirty="0"/>
+              <a:t> </a:t>
+            </a:r>
+            <a:r>
+              <a:rPr lang="fr-BE" dirty="0" err="1"/>
+              <a:t>coupled</a:t>
+            </a:r>
+            <a:r>
+              <a:rPr lang="fr-BE" dirty="0"/>
+              <a:t> </a:t>
+            </a:r>
+            <a:r>
+              <a:rPr lang="fr-BE" dirty="0" err="1"/>
+              <a:t>easy</a:t>
+            </a:r>
+            <a:r>
+              <a:rPr lang="fr-BE" dirty="0"/>
+              <a:t> cases.</a:t>
+            </a:r>
+          </a:p>
+          <a:p>
+            <a:r>
+              <a:rPr lang="fr-BE" dirty="0"/>
+              <a:t>- The </a:t>
+            </a:r>
+            <a:r>
+              <a:rPr lang="fr-BE" dirty="0" err="1"/>
+              <a:t>segregated</a:t>
+            </a:r>
+            <a:r>
+              <a:rPr lang="fr-BE" dirty="0"/>
+              <a:t>/</a:t>
+            </a:r>
+            <a:r>
+              <a:rPr lang="fr-BE" dirty="0" err="1"/>
+              <a:t>linearized</a:t>
+            </a:r>
+            <a:r>
+              <a:rPr lang="fr-BE" dirty="0"/>
+              <a:t> version </a:t>
+            </a:r>
+            <a:r>
+              <a:rPr lang="fr-BE" dirty="0" err="1"/>
+              <a:t>works</a:t>
+            </a:r>
+            <a:r>
+              <a:rPr lang="fr-BE" dirty="0"/>
+              <a:t> but </a:t>
+            </a:r>
+            <a:r>
+              <a:rPr lang="fr-BE" dirty="0" err="1"/>
+              <a:t>only</a:t>
+            </a:r>
+            <a:r>
+              <a:rPr lang="fr-BE" dirty="0"/>
+              <a:t> in serial</a:t>
+            </a:r>
+          </a:p>
+          <a:p>
+            <a:r>
+              <a:rPr lang="fr-BE" dirty="0"/>
+              <a:t>- For the 2D </a:t>
+            </a:r>
+            <a:r>
+              <a:rPr lang="fr-BE" dirty="0" err="1"/>
+              <a:t>taylor</a:t>
+            </a:r>
+            <a:r>
+              <a:rPr lang="fr-BE" dirty="0"/>
+              <a:t> green case the </a:t>
+            </a:r>
+            <a:r>
+              <a:rPr lang="fr-BE" dirty="0" err="1"/>
+              <a:t>scalability</a:t>
+            </a:r>
+            <a:r>
+              <a:rPr lang="fr-BE" dirty="0"/>
+              <a:t> has been </a:t>
+            </a:r>
+            <a:r>
+              <a:rPr lang="fr-BE" dirty="0" err="1"/>
+              <a:t>proven</a:t>
+            </a:r>
+            <a:endParaRPr lang="fr-BE"/>
+          </a:p>
+          <a:p>
+            <a:endParaRPr lang="fr-BE" dirty="0"/>
+          </a:p>
+          <a:p>
+            <a:endParaRPr lang="fr-BE" dirty="0"/>
+          </a:p>
+          <a:p>
+            <a:pPr marL="0" indent="0">
+              <a:buNone/>
+            </a:pPr>
+            <a:endParaRPr lang="fr-BE" dirty="0"/>
+          </a:p>
+          <a:p>
+            <a:pPr marL="0" indent="0">
+              <a:buNone/>
+            </a:pPr>
+            <a:endParaRPr lang="fr-BE" dirty="0"/>
+          </a:p>
+        </p:txBody>
+      </p:sp>
+    </p:spTree>
+    <p:extLst>
+      <p:ext uri="{BB962C8B-B14F-4D97-AF65-F5344CB8AC3E}">
+        <p14:creationId xmlns:p14="http://schemas.microsoft.com/office/powerpoint/2010/main" val="330157147"/>
+      </p:ext>
+    </p:extLst>
+  </p:cSld>
+  <p:clrMapOvr>
+    <a:masterClrMapping/>
+  </p:clrMapOvr>
+</p:sld>
+</file>
+
 <file path=ppt/slides/slide2.xml><?xml version="1.0" encoding="utf-8"?>
 <p:sld xmlns:a="http://schemas.openxmlformats.org/drawingml/2006/main" xmlns:r="http://schemas.openxmlformats.org/officeDocument/2006/relationships" xmlns:p="http://schemas.openxmlformats.org/presentationml/2006/main">
   <p:cSld>
@@ -5634,7 +5885,7 @@
           <p:cNvPr id="2" name="Title 1">
             <a:extLst>
               <a:ext uri="{FF2B5EF4-FFF2-40B4-BE49-F238E27FC236}">
-                <a16:creationId xmlns:a16="http://schemas.microsoft.com/office/drawing/2014/main" id="{E6C0E40E-77E0-3465-12C1-198F425F6034}"/>
+                <a16:creationId xmlns:a16="http://schemas.microsoft.com/office/drawing/2014/main" id="{0DB7CE11-B126-3A5F-4472-D8D6E34FD33D}"/>
               </a:ext>
             </a:extLst>
           </p:cNvPr>
@@ -5645,26 +5896,19 @@
             <p:ph type="title"/>
           </p:nvPr>
         </p:nvSpPr>
-        <p:spPr/>
+        <p:spPr>
+          <a:xfrm>
+            <a:off x="320799" y="286601"/>
+            <a:ext cx="10058400" cy="1450757"/>
+          </a:xfrm>
+        </p:spPr>
         <p:txBody>
           <a:bodyPr/>
           <a:lstStyle/>
           <a:p>
             <a:r>
-              <a:rPr lang="fr-BE" dirty="0" err="1"/>
-              <a:t>Current</a:t>
-            </a:r>
-            <a:r>
-              <a:rPr lang="fr-BE" dirty="0"/>
-              <a:t> </a:t>
-            </a:r>
-            <a:r>
-              <a:rPr lang="fr-BE" dirty="0" err="1"/>
-              <a:t>critical</a:t>
-            </a:r>
-            <a:r>
-              <a:rPr lang="fr-BE" dirty="0"/>
-              <a:t> points</a:t>
+              <a:rPr lang="en-US" dirty="0"/>
+              <a:t>2D Profile Analysis</a:t>
             </a:r>
             <a:endParaRPr lang="en-BE" dirty="0"/>
           </a:p>
@@ -5672,209 +5916,112 @@
       </p:sp>
       <p:sp>
         <p:nvSpPr>
-          <p:cNvPr id="3" name="Content Placeholder 2">
-            <a:extLst>
-              <a:ext uri="{FF2B5EF4-FFF2-40B4-BE49-F238E27FC236}">
-                <a16:creationId xmlns:a16="http://schemas.microsoft.com/office/drawing/2014/main" id="{E9AF69D2-C898-D5BE-58F1-749CC7ABE892}"/>
-              </a:ext>
-            </a:extLst>
-          </p:cNvPr>
-          <p:cNvSpPr>
-            <a:spLocks noGrp="1"/>
-          </p:cNvSpPr>
-          <p:nvPr>
-            <p:ph idx="1"/>
-          </p:nvPr>
+          <p:cNvPr id="6" name="TextBox 5">
+            <a:extLst>
+              <a:ext uri="{FF2B5EF4-FFF2-40B4-BE49-F238E27FC236}">
+                <a16:creationId xmlns:a16="http://schemas.microsoft.com/office/drawing/2014/main" id="{78379B0E-6C96-4BE3-7423-F032E978DB03}"/>
+              </a:ext>
+            </a:extLst>
+          </p:cNvPr>
+          <p:cNvSpPr txBox="1"/>
+          <p:nvPr/>
         </p:nvSpPr>
         <p:spPr>
           <a:xfrm>
-            <a:off x="241540" y="2090948"/>
-            <a:ext cx="4218203" cy="3760891"/>
+            <a:off x="6777506" y="1475170"/>
+            <a:ext cx="3360407" cy="369332"/>
           </a:xfrm>
+          <a:prstGeom prst="rect">
+            <a:avLst/>
+          </a:prstGeom>
+          <a:noFill/>
         </p:spPr>
         <p:txBody>
-          <a:bodyPr/>
+          <a:bodyPr wrap="none" rtlCol="0">
+            <a:spAutoFit/>
+          </a:bodyPr>
           <a:lstStyle/>
           <a:p>
             <a:r>
-              <a:rPr lang="fr-BE" dirty="0"/>
-              <a:t>Turbulence in the Channel: </a:t>
-            </a:r>
-            <a:r>
-              <a:rPr lang="fr-BE" dirty="0" err="1"/>
-              <a:t>too</a:t>
-            </a:r>
-            <a:r>
-              <a:rPr lang="fr-BE" dirty="0"/>
-              <a:t> far </a:t>
-            </a:r>
-            <a:r>
-              <a:rPr lang="fr-BE" dirty="0" err="1"/>
-              <a:t>from</a:t>
-            </a:r>
-            <a:r>
-              <a:rPr lang="fr-BE" dirty="0"/>
-              <a:t> the final conditions, the </a:t>
-            </a:r>
-            <a:r>
-              <a:rPr lang="fr-BE" dirty="0" err="1"/>
-              <a:t>fluid</a:t>
-            </a:r>
-            <a:r>
-              <a:rPr lang="fr-BE" dirty="0"/>
-              <a:t> </a:t>
-            </a:r>
-            <a:r>
-              <a:rPr lang="fr-BE" dirty="0" err="1"/>
-              <a:t>is</a:t>
-            </a:r>
-            <a:r>
-              <a:rPr lang="fr-BE" dirty="0"/>
-              <a:t> </a:t>
-            </a:r>
-            <a:r>
-              <a:rPr lang="fr-BE" dirty="0" err="1"/>
-              <a:t>still</a:t>
-            </a:r>
-            <a:r>
-              <a:rPr lang="fr-BE" dirty="0"/>
-              <a:t> </a:t>
-            </a:r>
-            <a:r>
-              <a:rPr lang="fr-BE" dirty="0" err="1"/>
-              <a:t>evolving</a:t>
-            </a:r>
-            <a:r>
-              <a:rPr lang="fr-BE" dirty="0"/>
-              <a:t>. At least </a:t>
-            </a:r>
-            <a:r>
-              <a:rPr lang="fr-BE" dirty="0" err="1"/>
-              <a:t>we</a:t>
-            </a:r>
-            <a:r>
-              <a:rPr lang="fr-BE" dirty="0"/>
-              <a:t> are </a:t>
-            </a:r>
-            <a:r>
-              <a:rPr lang="fr-BE" dirty="0" err="1"/>
-              <a:t>getting</a:t>
-            </a:r>
-            <a:r>
-              <a:rPr lang="fr-BE" dirty="0"/>
-              <a:t> the </a:t>
-            </a:r>
-            <a:r>
-              <a:rPr lang="fr-BE" dirty="0" err="1"/>
-              <a:t>tubrulence</a:t>
-            </a:r>
-            <a:r>
-              <a:rPr lang="fr-BE" dirty="0"/>
-              <a:t>.</a:t>
-            </a:r>
-          </a:p>
-          <a:p>
-            <a:endParaRPr lang="fr-BE" dirty="0"/>
-          </a:p>
-          <a:p>
-            <a:r>
-              <a:rPr lang="fr-BE" dirty="0"/>
-              <a:t>3D </a:t>
-            </a:r>
-            <a:r>
-              <a:rPr lang="fr-BE" dirty="0" err="1"/>
-              <a:t>meshes</a:t>
-            </a:r>
-            <a:r>
-              <a:rPr lang="fr-BE" dirty="0"/>
-              <a:t>, dense </a:t>
-            </a:r>
-            <a:r>
-              <a:rPr lang="fr-BE" dirty="0" err="1"/>
-              <a:t>airfoil</a:t>
-            </a:r>
-            <a:r>
-              <a:rPr lang="fr-BE" dirty="0"/>
-              <a:t> </a:t>
-            </a:r>
-            <a:r>
-              <a:rPr lang="fr-BE" dirty="0" err="1"/>
-              <a:t>meshes</a:t>
-            </a:r>
-            <a:r>
-              <a:rPr lang="fr-BE" dirty="0"/>
-              <a:t>, high </a:t>
-            </a:r>
-            <a:r>
-              <a:rPr lang="fr-BE" dirty="0" err="1"/>
-              <a:t>order</a:t>
-            </a:r>
-            <a:r>
-              <a:rPr lang="fr-BE" dirty="0"/>
-              <a:t> </a:t>
-            </a:r>
-            <a:r>
-              <a:rPr lang="fr-BE" dirty="0" err="1"/>
-              <a:t>elements</a:t>
-            </a:r>
-            <a:r>
-              <a:rPr lang="fr-BE" dirty="0"/>
-              <a:t> </a:t>
-            </a:r>
-            <a:r>
-              <a:rPr lang="fr-BE" dirty="0" err="1"/>
-              <a:t>too</a:t>
-            </a:r>
-            <a:r>
-              <a:rPr lang="fr-BE" dirty="0"/>
-              <a:t> </a:t>
-            </a:r>
-            <a:r>
-              <a:rPr lang="fr-BE" dirty="0" err="1"/>
-              <a:t>heavy</a:t>
-            </a:r>
-            <a:r>
-              <a:rPr lang="fr-BE" dirty="0"/>
-              <a:t> to </a:t>
-            </a:r>
-            <a:r>
-              <a:rPr lang="fr-BE" dirty="0" err="1"/>
-              <a:t>be</a:t>
-            </a:r>
-            <a:r>
-              <a:rPr lang="fr-BE" dirty="0"/>
-              <a:t> </a:t>
-            </a:r>
-            <a:r>
-              <a:rPr lang="fr-BE" dirty="0" err="1"/>
-              <a:t>solved</a:t>
-            </a:r>
-            <a:r>
-              <a:rPr lang="fr-BE" dirty="0"/>
-              <a:t>.</a:t>
-            </a:r>
-          </a:p>
-          <a:p>
-            <a:endParaRPr lang="fr-BE" dirty="0"/>
-          </a:p>
-          <a:p>
-            <a:pPr marL="0" indent="0">
-              <a:buNone/>
-            </a:pPr>
-            <a:endParaRPr lang="fr-BE" dirty="0"/>
-          </a:p>
-          <a:p>
-            <a:pPr marL="0" indent="0">
-              <a:buNone/>
-            </a:pPr>
-            <a:endParaRPr lang="fr-BE" dirty="0"/>
-          </a:p>
-        </p:txBody>
-      </p:sp>
+              <a:rPr lang="en-US" dirty="0"/>
+              <a:t>sd7003 Re=60 000, </a:t>
+            </a:r>
+            <a:r>
+              <a:rPr lang="en-US" dirty="0" err="1"/>
+              <a:t>AoA</a:t>
+            </a:r>
+            <a:r>
+              <a:rPr lang="en-US" dirty="0"/>
+              <a:t> = 4deg</a:t>
+            </a:r>
+            <a:endParaRPr lang="en-BE" dirty="0"/>
+          </a:p>
+        </p:txBody>
+      </p:sp>
+      <p:pic>
+        <p:nvPicPr>
+          <p:cNvPr id="4" name="Picture 3">
+            <a:extLst>
+              <a:ext uri="{FF2B5EF4-FFF2-40B4-BE49-F238E27FC236}">
+                <a16:creationId xmlns:a16="http://schemas.microsoft.com/office/drawing/2014/main" id="{828B35FB-ED3E-5E9B-42C0-3EFFEC4222F0}"/>
+              </a:ext>
+            </a:extLst>
+          </p:cNvPr>
+          <p:cNvPicPr>
+            <a:picLocks noChangeAspect="1"/>
+          </p:cNvPicPr>
+          <p:nvPr/>
+        </p:nvPicPr>
+        <p:blipFill>
+          <a:blip r:embed="rId2"/>
+          <a:stretch>
+            <a:fillRect/>
+          </a:stretch>
+        </p:blipFill>
+        <p:spPr>
+          <a:xfrm>
+            <a:off x="772357" y="2452357"/>
+            <a:ext cx="4144541" cy="2767127"/>
+          </a:xfrm>
+          <a:prstGeom prst="rect">
+            <a:avLst/>
+          </a:prstGeom>
+        </p:spPr>
+      </p:pic>
+      <p:pic>
+        <p:nvPicPr>
+          <p:cNvPr id="9" name="Picture 8">
+            <a:extLst>
+              <a:ext uri="{FF2B5EF4-FFF2-40B4-BE49-F238E27FC236}">
+                <a16:creationId xmlns:a16="http://schemas.microsoft.com/office/drawing/2014/main" id="{9ED07F31-0FEE-F198-5858-FF19DB6A2D5B}"/>
+              </a:ext>
+            </a:extLst>
+          </p:cNvPr>
+          <p:cNvPicPr>
+            <a:picLocks noChangeAspect="1"/>
+          </p:cNvPicPr>
+          <p:nvPr/>
+        </p:nvPicPr>
+        <p:blipFill>
+          <a:blip r:embed="rId3"/>
+          <a:stretch>
+            <a:fillRect/>
+          </a:stretch>
+        </p:blipFill>
+        <p:spPr>
+          <a:xfrm>
+            <a:off x="5709706" y="2452357"/>
+            <a:ext cx="4142960" cy="2767126"/>
+          </a:xfrm>
+          <a:prstGeom prst="rect">
+            <a:avLst/>
+          </a:prstGeom>
+        </p:spPr>
+      </p:pic>
     </p:spTree>
     <p:extLst>
       <p:ext uri="{BB962C8B-B14F-4D97-AF65-F5344CB8AC3E}">
-        <p14:creationId xmlns:p14="http://schemas.microsoft.com/office/powerpoint/2010/main" val="1054406424"/>
+        <p14:creationId xmlns:p14="http://schemas.microsoft.com/office/powerpoint/2010/main" val="3970294073"/>
       </p:ext>
     </p:extLst>
   </p:cSld>
@@ -5906,7 +6053,7 @@
           <p:cNvPr id="2" name="Title 1">
             <a:extLst>
               <a:ext uri="{FF2B5EF4-FFF2-40B4-BE49-F238E27FC236}">
-                <a16:creationId xmlns:a16="http://schemas.microsoft.com/office/drawing/2014/main" id="{E6C0E40E-77E0-3465-12C1-198F425F6034}"/>
+                <a16:creationId xmlns:a16="http://schemas.microsoft.com/office/drawing/2014/main" id="{0DB7CE11-B126-3A5F-4472-D8D6E34FD33D}"/>
               </a:ext>
             </a:extLst>
           </p:cNvPr>
@@ -5917,33 +6064,194 @@
             <p:ph type="title"/>
           </p:nvPr>
         </p:nvSpPr>
-        <p:spPr/>
+        <p:spPr>
+          <a:xfrm>
+            <a:off x="320799" y="286601"/>
+            <a:ext cx="10058400" cy="1450757"/>
+          </a:xfrm>
+        </p:spPr>
         <p:txBody>
           <a:bodyPr/>
           <a:lstStyle/>
           <a:p>
             <a:r>
-              <a:rPr lang="fr-BE" dirty="0" err="1"/>
-              <a:t>Overall</a:t>
-            </a:r>
-            <a:r>
-              <a:rPr lang="fr-BE" dirty="0"/>
-              <a:t> of 1 </a:t>
-            </a:r>
-            <a:r>
-              <a:rPr lang="fr-BE" dirty="0" err="1"/>
-              <a:t>Year</a:t>
+              <a:rPr lang="en-US" dirty="0"/>
+              <a:t>2D Profile Analysis</a:t>
             </a:r>
             <a:endParaRPr lang="en-BE" dirty="0"/>
           </a:p>
         </p:txBody>
       </p:sp>
-      <p:sp>
-        <p:nvSpPr>
-          <p:cNvPr id="3" name="Content Placeholder 2">
-            <a:extLst>
-              <a:ext uri="{FF2B5EF4-FFF2-40B4-BE49-F238E27FC236}">
-                <a16:creationId xmlns:a16="http://schemas.microsoft.com/office/drawing/2014/main" id="{E9AF69D2-C898-D5BE-58F1-749CC7ABE892}"/>
+      <p:pic>
+        <p:nvPicPr>
+          <p:cNvPr id="5" name="Picture 4">
+            <a:extLst>
+              <a:ext uri="{FF2B5EF4-FFF2-40B4-BE49-F238E27FC236}">
+                <a16:creationId xmlns:a16="http://schemas.microsoft.com/office/drawing/2014/main" id="{CE128357-AB1A-F8F0-3B61-4A4597347208}"/>
+              </a:ext>
+            </a:extLst>
+          </p:cNvPr>
+          <p:cNvPicPr>
+            <a:picLocks noChangeAspect="1"/>
+          </p:cNvPicPr>
+          <p:nvPr/>
+        </p:nvPicPr>
+        <p:blipFill>
+          <a:blip r:embed="rId2"/>
+          <a:stretch>
+            <a:fillRect/>
+          </a:stretch>
+        </p:blipFill>
+        <p:spPr>
+          <a:xfrm>
+            <a:off x="6254260" y="179459"/>
+            <a:ext cx="4593629" cy="1665043"/>
+          </a:xfrm>
+          <a:prstGeom prst="rect">
+            <a:avLst/>
+          </a:prstGeom>
+        </p:spPr>
+      </p:pic>
+      <p:sp>
+        <p:nvSpPr>
+          <p:cNvPr id="6" name="TextBox 5">
+            <a:extLst>
+              <a:ext uri="{FF2B5EF4-FFF2-40B4-BE49-F238E27FC236}">
+                <a16:creationId xmlns:a16="http://schemas.microsoft.com/office/drawing/2014/main" id="{78379B0E-6C96-4BE3-7423-F032E978DB03}"/>
+              </a:ext>
+            </a:extLst>
+          </p:cNvPr>
+          <p:cNvSpPr txBox="1"/>
+          <p:nvPr/>
+        </p:nvSpPr>
+        <p:spPr>
+          <a:xfrm>
+            <a:off x="6777506" y="1475170"/>
+            <a:ext cx="3281860" cy="369332"/>
+          </a:xfrm>
+          <a:prstGeom prst="rect">
+            <a:avLst/>
+          </a:prstGeom>
+          <a:noFill/>
+        </p:spPr>
+        <p:txBody>
+          <a:bodyPr wrap="none" rtlCol="0">
+            <a:spAutoFit/>
+          </a:bodyPr>
+          <a:lstStyle/>
+          <a:p>
+            <a:r>
+              <a:rPr lang="en-US" dirty="0"/>
+              <a:t>DU89 Re=250 000, </a:t>
+            </a:r>
+            <a:r>
+              <a:rPr lang="en-US" dirty="0" err="1"/>
+              <a:t>AoA</a:t>
+            </a:r>
+            <a:r>
+              <a:rPr lang="en-US" dirty="0"/>
+              <a:t> = 3deg</a:t>
+            </a:r>
+            <a:endParaRPr lang="en-BE" dirty="0"/>
+          </a:p>
+        </p:txBody>
+      </p:sp>
+      <p:pic>
+        <p:nvPicPr>
+          <p:cNvPr id="8" name="Picture 7">
+            <a:extLst>
+              <a:ext uri="{FF2B5EF4-FFF2-40B4-BE49-F238E27FC236}">
+                <a16:creationId xmlns:a16="http://schemas.microsoft.com/office/drawing/2014/main" id="{2063CA7F-8EE5-8359-B385-DD4CFE20C6C4}"/>
+              </a:ext>
+            </a:extLst>
+          </p:cNvPr>
+          <p:cNvPicPr>
+            <a:picLocks noChangeAspect="1"/>
+          </p:cNvPicPr>
+          <p:nvPr/>
+        </p:nvPicPr>
+        <p:blipFill>
+          <a:blip r:embed="rId3"/>
+          <a:stretch>
+            <a:fillRect/>
+          </a:stretch>
+        </p:blipFill>
+        <p:spPr>
+          <a:xfrm>
+            <a:off x="320799" y="2330362"/>
+            <a:ext cx="4721409" cy="3120813"/>
+          </a:xfrm>
+          <a:prstGeom prst="rect">
+            <a:avLst/>
+          </a:prstGeom>
+        </p:spPr>
+      </p:pic>
+      <p:pic>
+        <p:nvPicPr>
+          <p:cNvPr id="10" name="Picture 9">
+            <a:extLst>
+              <a:ext uri="{FF2B5EF4-FFF2-40B4-BE49-F238E27FC236}">
+                <a16:creationId xmlns:a16="http://schemas.microsoft.com/office/drawing/2014/main" id="{FF950A81-3991-E463-A055-6DAADFCF6D0E}"/>
+              </a:ext>
+            </a:extLst>
+          </p:cNvPr>
+          <p:cNvPicPr>
+            <a:picLocks noChangeAspect="1"/>
+          </p:cNvPicPr>
+          <p:nvPr/>
+        </p:nvPicPr>
+        <p:blipFill>
+          <a:blip r:embed="rId4"/>
+          <a:stretch>
+            <a:fillRect/>
+          </a:stretch>
+        </p:blipFill>
+        <p:spPr>
+          <a:xfrm>
+            <a:off x="6126479" y="2330362"/>
+            <a:ext cx="4721409" cy="3151088"/>
+          </a:xfrm>
+          <a:prstGeom prst="rect">
+            <a:avLst/>
+          </a:prstGeom>
+        </p:spPr>
+      </p:pic>
+    </p:spTree>
+    <p:extLst>
+      <p:ext uri="{BB962C8B-B14F-4D97-AF65-F5344CB8AC3E}">
+        <p14:creationId xmlns:p14="http://schemas.microsoft.com/office/powerpoint/2010/main" val="4142763376"/>
+      </p:ext>
+    </p:extLst>
+  </p:cSld>
+  <p:clrMapOvr>
+    <a:masterClrMapping/>
+  </p:clrMapOvr>
+</p:sld>
+</file>
+
+<file path=ppt/slides/slide9.xml><?xml version="1.0" encoding="utf-8"?>
+<p:sld xmlns:a="http://schemas.openxmlformats.org/drawingml/2006/main" xmlns:r="http://schemas.openxmlformats.org/officeDocument/2006/relationships" xmlns:p="http://schemas.openxmlformats.org/presentationml/2006/main">
+  <p:cSld>
+    <p:spTree>
+      <p:nvGrpSpPr>
+        <p:cNvPr id="1" name=""/>
+        <p:cNvGrpSpPr/>
+        <p:nvPr/>
+      </p:nvGrpSpPr>
+      <p:grpSpPr>
+        <a:xfrm>
+          <a:off x="0" y="0"/>
+          <a:ext cx="0" cy="0"/>
+          <a:chOff x="0" y="0"/>
+          <a:chExt cx="0" cy="0"/>
+        </a:xfrm>
+      </p:grpSpPr>
+      <p:sp>
+        <p:nvSpPr>
+          <p:cNvPr id="2" name="Title 1">
+            <a:extLst>
+              <a:ext uri="{FF2B5EF4-FFF2-40B4-BE49-F238E27FC236}">
+                <a16:creationId xmlns:a16="http://schemas.microsoft.com/office/drawing/2014/main" id="{E6C0E40E-77E0-3465-12C1-198F425F6034}"/>
               </a:ext>
             </a:extLst>
           </p:cNvPr>
@@ -5951,13 +6259,54 @@
             <a:spLocks noGrp="1"/>
           </p:cNvSpPr>
           <p:nvPr>
+            <p:ph type="title"/>
+          </p:nvPr>
+        </p:nvSpPr>
+        <p:spPr/>
+        <p:txBody>
+          <a:bodyPr/>
+          <a:lstStyle/>
+          <a:p>
+            <a:r>
+              <a:rPr lang="fr-BE" dirty="0" err="1"/>
+              <a:t>Current</a:t>
+            </a:r>
+            <a:r>
+              <a:rPr lang="fr-BE" dirty="0"/>
+              <a:t> </a:t>
+            </a:r>
+            <a:r>
+              <a:rPr lang="fr-BE" dirty="0" err="1"/>
+              <a:t>critical</a:t>
+            </a:r>
+            <a:r>
+              <a:rPr lang="fr-BE" dirty="0"/>
+              <a:t> points</a:t>
+            </a:r>
+            <a:endParaRPr lang="en-BE" dirty="0"/>
+          </a:p>
+        </p:txBody>
+      </p:sp>
+      <p:sp>
+        <p:nvSpPr>
+          <p:cNvPr id="3" name="Content Placeholder 2">
+            <a:extLst>
+              <a:ext uri="{FF2B5EF4-FFF2-40B4-BE49-F238E27FC236}">
+                <a16:creationId xmlns:a16="http://schemas.microsoft.com/office/drawing/2014/main" id="{E9AF69D2-C898-D5BE-58F1-749CC7ABE892}"/>
+              </a:ext>
+            </a:extLst>
+          </p:cNvPr>
+          <p:cNvSpPr>
+            <a:spLocks noGrp="1"/>
+          </p:cNvSpPr>
+          <p:nvPr>
             <p:ph idx="1"/>
           </p:nvPr>
         </p:nvSpPr>
         <p:spPr>
           <a:xfrm>
             <a:off x="241540" y="2090948"/>
-            <a:ext cx="10575985" cy="3760891"/>
+            <a:ext cx="4218203" cy="3760891"/>
           </a:xfrm>
         </p:spPr>
         <p:txBody>
@@ -5966,11 +6315,27 @@
           <a:p>
             <a:r>
               <a:rPr lang="fr-BE" dirty="0"/>
-              <a:t>- The VMS (and the SUPG) has been </a:t>
+              <a:t>Turbulence in the Channel: </a:t>
             </a:r>
             <a:r>
               <a:rPr lang="fr-BE" dirty="0" err="1"/>
-              <a:t>implemented</a:t>
+              <a:t>too</a:t>
+            </a:r>
+            <a:r>
+              <a:rPr lang="fr-BE" dirty="0"/>
+              <a:t> far </a:t>
+            </a:r>
+            <a:r>
+              <a:rPr lang="fr-BE" dirty="0" err="1"/>
+              <a:t>from</a:t>
+            </a:r>
+            <a:r>
+              <a:rPr lang="fr-BE" dirty="0"/>
+              <a:t> the final conditions, the </a:t>
+            </a:r>
+            <a:r>
+              <a:rPr lang="fr-BE" dirty="0" err="1"/>
+              <a:t>fluid</a:t>
             </a:r>
             <a:r>
               <a:rPr lang="fr-BE" dirty="0"/>
@@ -5978,39 +6343,7 @@
             </a:r>
             <a:r>
               <a:rPr lang="fr-BE" dirty="0" err="1"/>
-              <a:t>fully</a:t>
-            </a:r>
-            <a:r>
-              <a:rPr lang="fr-BE" dirty="0"/>
-              <a:t> in </a:t>
-            </a:r>
-            <a:r>
-              <a:rPr lang="fr-BE" dirty="0" err="1"/>
-              <a:t>parallel</a:t>
-            </a:r>
-            <a:r>
-              <a:rPr lang="fr-BE" dirty="0"/>
-              <a:t> and </a:t>
-            </a:r>
-            <a:r>
-              <a:rPr lang="fr-BE" dirty="0" err="1"/>
-              <a:t>tested</a:t>
-            </a:r>
-            <a:r>
-              <a:rPr lang="fr-BE" dirty="0"/>
-              <a:t> on 2D time </a:t>
-            </a:r>
-            <a:r>
-              <a:rPr lang="fr-BE" dirty="0" err="1"/>
-              <a:t>depended</a:t>
-            </a:r>
-            <a:r>
-              <a:rPr lang="fr-BE" dirty="0"/>
-              <a:t>, </a:t>
-            </a:r>
-            <a:r>
-              <a:rPr lang="fr-BE" dirty="0" err="1"/>
-              <a:t>fully</a:t>
+              <a:t>is</a:t>
             </a:r>
             <a:r>
               <a:rPr lang="fr-BE" dirty="0"/>
@@ -6018,7 +6351,7 @@
             </a:r>
             <a:r>
               <a:rPr lang="fr-BE" dirty="0" err="1"/>
-              <a:t>coupled</a:t>
+              <a:t>still</a:t>
             </a:r>
             <a:r>
               <a:rPr lang="fr-BE" dirty="0"/>
@@ -6026,80 +6359,117 @@
             </a:r>
             <a:r>
               <a:rPr lang="fr-BE" dirty="0" err="1"/>
-              <a:t>easy</a:t>
+              <a:t>evolving</a:t>
             </a:r>
             <a:r>
               <a:rPr lang="fr-BE" dirty="0"/>
-              <a:t> cases.</a:t>
-            </a:r>
-          </a:p>
-          <a:p>
+              <a:t>. At least </a:t>
+            </a:r>
+            <a:r>
+              <a:rPr lang="fr-BE" dirty="0" err="1"/>
+              <a:t>we</a:t>
+            </a:r>
             <a:r>
               <a:rPr lang="fr-BE" dirty="0"/>
-              <a:t>- The </a:t>
+              <a:t> are </a:t>
             </a:r>
             <a:r>
               <a:rPr lang="fr-BE" dirty="0" err="1"/>
-              <a:t>segregated</a:t>
+              <a:t>getting</a:t>
             </a:r>
             <a:r>
               <a:rPr lang="fr-BE" dirty="0"/>
-              <a:t>/</a:t>
+              <a:t> the </a:t>
             </a:r>
             <a:r>
               <a:rPr lang="fr-BE" dirty="0" err="1"/>
-              <a:t>linearized</a:t>
+              <a:t>tubrulence</a:t>
             </a:r>
             <a:r>
               <a:rPr lang="fr-BE" dirty="0"/>
-              <a:t> version </a:t>
+              <a:t>.</a:t>
+            </a:r>
+          </a:p>
+          <a:p>
+            <a:endParaRPr lang="fr-BE" dirty="0"/>
+          </a:p>
+          <a:p>
+            <a:r>
+              <a:rPr lang="fr-BE" dirty="0"/>
+              <a:t>3D </a:t>
             </a:r>
             <a:r>
               <a:rPr lang="fr-BE" dirty="0" err="1"/>
-              <a:t>works</a:t>
+              <a:t>meshes</a:t>
             </a:r>
             <a:r>
               <a:rPr lang="fr-BE" dirty="0"/>
-              <a:t> but </a:t>
+              <a:t>, dense </a:t>
             </a:r>
             <a:r>
               <a:rPr lang="fr-BE" dirty="0" err="1"/>
-              <a:t>only</a:t>
+              <a:t>airfoil</a:t>
             </a:r>
             <a:r>
               <a:rPr lang="fr-BE" dirty="0"/>
-              <a:t> in serial</a:t>
-            </a:r>
-          </a:p>
-          <a:p>
+              <a:t> </a:t>
+            </a:r>
+            <a:r>
+              <a:rPr lang="fr-BE" dirty="0" err="1"/>
+              <a:t>meshes</a:t>
+            </a:r>
             <a:r>
               <a:rPr lang="fr-BE" dirty="0"/>
-              <a:t>- For the 2D </a:t>
+              <a:t>, high </a:t>
             </a:r>
             <a:r>
               <a:rPr lang="fr-BE" dirty="0" err="1"/>
-              <a:t>taylor</a:t>
+              <a:t>order</a:t>
             </a:r>
             <a:r>
               <a:rPr lang="fr-BE" dirty="0"/>
-              <a:t> green case the </a:t>
+              <a:t> </a:t>
             </a:r>
             <a:r>
               <a:rPr lang="fr-BE" dirty="0" err="1"/>
-              <a:t>scalability</a:t>
+              <a:t>elements</a:t>
             </a:r>
             <a:r>
               <a:rPr lang="fr-BE" dirty="0"/>
-              <a:t> has been </a:t>
+              <a:t> </a:t>
             </a:r>
             <a:r>
               <a:rPr lang="fr-BE" dirty="0" err="1"/>
-              <a:t>proven</a:t>
-            </a:r>
-            <a:endParaRPr lang="fr-BE"/>
-          </a:p>
-          <a:p>
-            <a:endParaRPr lang="fr-BE" dirty="0"/>
+              <a:t>too</a:t>
+            </a:r>
+            <a:r>
+              <a:rPr lang="fr-BE" dirty="0"/>
+              <a:t> </a:t>
+            </a:r>
+            <a:r>
+              <a:rPr lang="fr-BE" dirty="0" err="1"/>
+              <a:t>heavy</a:t>
+            </a:r>
+            <a:r>
+              <a:rPr lang="fr-BE" dirty="0"/>
+              <a:t> to </a:t>
+            </a:r>
+            <a:r>
+              <a:rPr lang="fr-BE" dirty="0" err="1"/>
+              <a:t>be</a:t>
+            </a:r>
+            <a:r>
+              <a:rPr lang="fr-BE" dirty="0"/>
+              <a:t> </a:t>
+            </a:r>
+            <a:r>
+              <a:rPr lang="fr-BE" dirty="0" err="1"/>
+              <a:t>solved</a:t>
+            </a:r>
+            <a:r>
+              <a:rPr lang="fr-BE" dirty="0"/>
+              <a:t>.</a:t>
+            </a:r>
           </a:p>
           <a:p>
             <a:endParaRPr lang="fr-BE" dirty="0"/>
@@ -6121,7 +6491,7 @@
     </p:spTree>
     <p:extLst>
       <p:ext uri="{BB962C8B-B14F-4D97-AF65-F5344CB8AC3E}">
-        <p14:creationId xmlns:p14="http://schemas.microsoft.com/office/powerpoint/2010/main" val="330157147"/>
+        <p14:creationId xmlns:p14="http://schemas.microsoft.com/office/powerpoint/2010/main" val="1054406424"/>
       </p:ext>
     </p:extLst>
   </p:cSld>
@@ -6501,24 +6871,6 @@
 </file>
 
 <file path=customXml/item1.xml><?xml version="1.0" encoding="utf-8"?>
-<p:properties xmlns:p="http://schemas.microsoft.com/office/2006/metadata/properties" xmlns:xsi="http://www.w3.org/2001/XMLSchema-instance" xmlns:pc="http://schemas.microsoft.com/office/infopath/2007/PartnerControls">
-  <documentManagement>
-    <Status xmlns="71af3243-3dd4-4a8d-8c0d-dd76da1f02a5">Not started</Status>
-    <MediaServiceKeyPoints xmlns="71af3243-3dd4-4a8d-8c0d-dd76da1f02a5" xsi:nil="true"/>
-  </documentManagement>
-</p:properties>
-</file>
-
-<file path=customXml/item2.xml><?xml version="1.0" encoding="utf-8"?>
-<?mso-contentType ?>
-<FormTemplates xmlns="http://schemas.microsoft.com/sharepoint/v3/contenttype/forms">
-  <Display>DocumentLibraryForm</Display>
-  <Edit>DocumentLibraryForm</Edit>
-  <New>DocumentLibraryForm</New>
-</FormTemplates>
-</file>
-
-<file path=customXml/item3.xml><?xml version="1.0" encoding="utf-8"?>
 <ct:contentTypeSchema xmlns:ct="http://schemas.microsoft.com/office/2006/metadata/contentType" xmlns:ma="http://schemas.microsoft.com/office/2006/metadata/properties/metaAttributes" ct:_="" ma:_="" ma:contentTypeName="Document" ma:contentTypeID="0x01010079F111ED35F8CC479449609E8A0923A6" ma:contentTypeVersion="12" ma:contentTypeDescription="Create a new document." ma:contentTypeScope="" ma:versionID="a410dd7f93c95333ffa1b60ed6adedd1">
   <xsd:schema xmlns:xsd="http://www.w3.org/2001/XMLSchema" xmlns:xs="http://www.w3.org/2001/XMLSchema" xmlns:p="http://schemas.microsoft.com/office/2006/metadata/properties" xmlns:ns2="71af3243-3dd4-4a8d-8c0d-dd76da1f02a5" xmlns:ns3="16c05727-aa75-4e4a-9b5f-8a80a1165891" targetNamespace="http://schemas.microsoft.com/office/2006/metadata/properties" ma:root="true" ma:fieldsID="a936d9baba76aa3866493feff160faab" ns2:_="" ns3:_="">
     <xsd:import namespace="71af3243-3dd4-4a8d-8c0d-dd76da1f02a5"/>
@@ -6739,25 +7091,25 @@
 </ct:contentTypeSchema>
 </file>
 
-<file path=customXml/itemProps1.xml><?xml version="1.0" encoding="utf-8"?>
-<ds:datastoreItem xmlns:ds="http://schemas.openxmlformats.org/officeDocument/2006/customXml" ds:itemID="{A03EEFF0-FB57-4CB4-8BFC-DF397689E2ED}">
-  <ds:schemaRefs>
-    <ds:schemaRef ds:uri="http://schemas.microsoft.com/office/2006/metadata/properties"/>
-    <ds:schemaRef ds:uri="http://schemas.microsoft.com/office/infopath/2007/PartnerControls"/>
-    <ds:schemaRef ds:uri="71af3243-3dd4-4a8d-8c0d-dd76da1f02a5"/>
-  </ds:schemaRefs>
-</ds:datastoreItem>
+<file path=customXml/item2.xml><?xml version="1.0" encoding="utf-8"?>
+<p:properties xmlns:p="http://schemas.microsoft.com/office/2006/metadata/properties" xmlns:xsi="http://www.w3.org/2001/XMLSchema-instance" xmlns:pc="http://schemas.microsoft.com/office/infopath/2007/PartnerControls">
+  <documentManagement>
+    <Status xmlns="71af3243-3dd4-4a8d-8c0d-dd76da1f02a5">Not started</Status>
+    <MediaServiceKeyPoints xmlns="71af3243-3dd4-4a8d-8c0d-dd76da1f02a5" xsi:nil="true"/>
+  </documentManagement>
+</p:properties>
 </file>
 
-<file path=customXml/itemProps2.xml><?xml version="1.0" encoding="utf-8"?>
-<ds:datastoreItem xmlns:ds="http://schemas.openxmlformats.org/officeDocument/2006/customXml" ds:itemID="{AA3F7EDC-E5B4-4BBC-9D2A-CBE6D46C37AD}">
-  <ds:schemaRefs>
-    <ds:schemaRef ds:uri="http://schemas.microsoft.com/sharepoint/v3/contenttype/forms"/>
-  </ds:schemaRefs>
-</ds:datastoreItem>
+<file path=customXml/item3.xml><?xml version="1.0" encoding="utf-8"?>
+<?mso-contentType ?>
+<FormTemplates xmlns="http://schemas.microsoft.com/sharepoint/v3/contenttype/forms">
+  <Display>DocumentLibraryForm</Display>
+  <Edit>DocumentLibraryForm</Edit>
+  <New>DocumentLibraryForm</New>
+</FormTemplates>
 </file>
 
-<file path=customXml/itemProps3.xml><?xml version="1.0" encoding="utf-8"?>
+<file path=customXml/itemProps1.xml><?xml version="1.0" encoding="utf-8"?>
 <ds:datastoreItem xmlns:ds="http://schemas.openxmlformats.org/officeDocument/2006/customXml" ds:itemID="{93932EF5-314F-409E-8020-FEE5FA0795B9}">
   <ds:schemaRefs>
     <ds:schemaRef ds:uri="http://schemas.microsoft.com/office/2006/metadata/contentType"/>
@@ -6774,4 +7126,22 @@
     <ds:schemaRef ds:uri="http://schemas.microsoft.com/internal/obd"/>
   </ds:schemaRefs>
 </ds:datastoreItem>
+</file>
+
+<file path=customXml/itemProps2.xml><?xml version="1.0" encoding="utf-8"?>
+<ds:datastoreItem xmlns:ds="http://schemas.openxmlformats.org/officeDocument/2006/customXml" ds:itemID="{A03EEFF0-FB57-4CB4-8BFC-DF397689E2ED}">
+  <ds:schemaRefs>
+    <ds:schemaRef ds:uri="http://schemas.microsoft.com/office/2006/metadata/properties"/>
+    <ds:schemaRef ds:uri="http://schemas.microsoft.com/office/infopath/2007/PartnerControls"/>
+    <ds:schemaRef ds:uri="71af3243-3dd4-4a8d-8c0d-dd76da1f02a5"/>
+  </ds:schemaRefs>
+</ds:datastoreItem>
+</file>
+
+<file path=customXml/itemProps3.xml><?xml version="1.0" encoding="utf-8"?>
+<ds:datastoreItem xmlns:ds="http://schemas.openxmlformats.org/officeDocument/2006/customXml" ds:itemID="{AA3F7EDC-E5B4-4BBC-9D2A-CBE6D46C37AD}">
+  <ds:schemaRefs>
+    <ds:schemaRef ds:uri="http://schemas.microsoft.com/sharepoint/v3/contenttype/forms"/>
+  </ds:schemaRefs>
+</ds:datastoreItem>
 </file>